--- a/proj_02/task_2_model_method.pptx
+++ b/proj_02/task_2_model_method.pptx
@@ -1935,7 +1935,7 @@
           <a:bodyPr lIns="0" rIns="0" tIns="0" bIns="0"/>
           <a:p>
             <a:pPr algn="r"/>
-            <a:fld id="{9B80B078-2275-48D9-89A6-DA20C8A87DD6}" type="slidenum">
+            <a:fld id="{A8A764FD-4CA5-46C5-B2A2-D64888E84B92}" type="slidenum">
               <a:rPr b="0" lang="en-US" sz="1100" spc="-1" strike="noStrike">
                 <a:solidFill>
                   <a:srgbClr val="000000"/>
